--- a/slides/Grafana SENAI Outubro-2024.pptx
+++ b/slides/Grafana SENAI Outubro-2024.pptx
@@ -291,7 +291,7 @@
               <a:rPr lang="en-US" smtClean="0">
                 <a:latin typeface="Segoe UI" pitchFamily="34" charset="0"/>
               </a:rPr>
-              <a:t>10/19/2024 12:36 AM</a:t>
+              <a:t>10/19/2024 9:06 AM</a:t>
             </a:fld>
             <a:endParaRPr lang="en-US" dirty="0">
               <a:latin typeface="Segoe UI" pitchFamily="34" charset="0"/>
@@ -572,7 +572,7 @@
           <a:p>
             <a:fld id="{38EEC551-8CDA-4EB6-89BB-2A86C9F091C8}" type="datetime8">
               <a:rPr lang="en-US" smtClean="0"/>
-              <a:t>10/19/2024 12:36 AM</a:t>
+              <a:t>10/19/2024 9:06 AM</a:t>
             </a:fld>
             <a:endParaRPr lang="en-US" dirty="0"/>
           </a:p>
@@ -959,7 +959,7 @@
           <a:p>
             <a:fld id="{38EEC551-8CDA-4EB6-89BB-2A86C9F091C8}" type="datetime8">
               <a:rPr lang="en-US" smtClean="0"/>
-              <a:t>10/19/2024 2:50 AM</a:t>
+              <a:t>10/19/2024 9:06 AM</a:t>
             </a:fld>
             <a:endParaRPr lang="en-US" dirty="0"/>
           </a:p>
@@ -1144,7 +1144,7 @@
           <a:p>
             <a:fld id="{38EEC551-8CDA-4EB6-89BB-2A86C9F091C8}" type="datetime8">
               <a:rPr lang="en-US" smtClean="0"/>
-              <a:t>10/19/2024 12:36 AM</a:t>
+              <a:t>10/19/2024 9:06 AM</a:t>
             </a:fld>
             <a:endParaRPr lang="en-US" dirty="0"/>
           </a:p>
@@ -1329,7 +1329,7 @@
           <a:p>
             <a:fld id="{38EEC551-8CDA-4EB6-89BB-2A86C9F091C8}" type="datetime8">
               <a:rPr lang="en-US" smtClean="0"/>
-              <a:t>10/19/2024 2:50 AM</a:t>
+              <a:t>10/19/2024 9:06 AM</a:t>
             </a:fld>
             <a:endParaRPr lang="en-US" dirty="0"/>
           </a:p>
@@ -1514,7 +1514,7 @@
           <a:p>
             <a:fld id="{38EEC551-8CDA-4EB6-89BB-2A86C9F091C8}" type="datetime8">
               <a:rPr lang="en-US" smtClean="0"/>
-              <a:t>10/19/2024 2:32 AM</a:t>
+              <a:t>10/19/2024 9:06 AM</a:t>
             </a:fld>
             <a:endParaRPr lang="en-US" dirty="0"/>
           </a:p>
@@ -1699,7 +1699,7 @@
           <a:p>
             <a:fld id="{38EEC551-8CDA-4EB6-89BB-2A86C9F091C8}" type="datetime8">
               <a:rPr lang="en-US" smtClean="0"/>
-              <a:t>10/19/2024 2:27 AM</a:t>
+              <a:t>10/19/2024 9:06 AM</a:t>
             </a:fld>
             <a:endParaRPr lang="en-US" dirty="0"/>
           </a:p>
@@ -1884,7 +1884,7 @@
           <a:p>
             <a:fld id="{38EEC551-8CDA-4EB6-89BB-2A86C9F091C8}" type="datetime8">
               <a:rPr lang="en-US" smtClean="0"/>
-              <a:t>10/19/2024 2:29 AM</a:t>
+              <a:t>10/19/2024 9:06 AM</a:t>
             </a:fld>
             <a:endParaRPr lang="en-US" dirty="0"/>
           </a:p>
@@ -2069,7 +2069,7 @@
           <a:p>
             <a:fld id="{38EEC551-8CDA-4EB6-89BB-2A86C9F091C8}" type="datetime8">
               <a:rPr lang="en-US" smtClean="0"/>
-              <a:t>10/19/2024 3:02 AM</a:t>
+              <a:t>10/19/2024 9:06 AM</a:t>
             </a:fld>
             <a:endParaRPr lang="en-US" dirty="0"/>
           </a:p>
@@ -2347,7 +2347,7 @@
                 <a:tabLst/>
                 <a:defRPr/>
               </a:pPr>
-              <a:t>10/19/2024 12:36 AM</a:t>
+              <a:t>10/19/2024 9:06 AM</a:t>
             </a:fld>
             <a:endParaRPr kumimoji="0" lang="en-US" sz="1800" b="0" i="0" u="none" strike="noStrike" kern="0" cap="none" spc="0" normalizeH="0" baseline="0" noProof="0">
               <a:ln>
@@ -2688,7 +2688,7 @@
                 <a:tabLst/>
                 <a:defRPr/>
               </a:pPr>
-              <a:t>10/19/2024 12:36 AM</a:t>
+              <a:t>10/19/2024 9:06 AM</a:t>
             </a:fld>
             <a:endParaRPr kumimoji="0" lang="en-US" sz="1800" b="0" i="0" u="none" strike="noStrike" kern="0" cap="none" spc="0" normalizeH="0" baseline="0" noProof="0">
               <a:ln>
@@ -3021,7 +3021,7 @@
           <a:p>
             <a:fld id="{38EEC551-8CDA-4EB6-89BB-2A86C9F091C8}" type="datetime8">
               <a:rPr lang="en-US" smtClean="0"/>
-              <a:t>10/19/2024 2:52 AM</a:t>
+              <a:t>10/19/2024 9:06 AM</a:t>
             </a:fld>
             <a:endParaRPr lang="en-US" dirty="0"/>
           </a:p>
@@ -3206,7 +3206,7 @@
           <a:p>
             <a:fld id="{38EEC551-8CDA-4EB6-89BB-2A86C9F091C8}" type="datetime8">
               <a:rPr lang="en-US" smtClean="0"/>
-              <a:t>10/19/2024 2:54 AM</a:t>
+              <a:t>10/19/2024 9:06 AM</a:t>
             </a:fld>
             <a:endParaRPr lang="en-US" dirty="0"/>
           </a:p>
@@ -3391,7 +3391,7 @@
           <a:p>
             <a:fld id="{38EEC551-8CDA-4EB6-89BB-2A86C9F091C8}" type="datetime8">
               <a:rPr lang="en-US" smtClean="0"/>
-              <a:t>10/19/2024 12:36 AM</a:t>
+              <a:t>10/19/2024 9:06 AM</a:t>
             </a:fld>
             <a:endParaRPr lang="en-US" dirty="0"/>
           </a:p>
@@ -3576,7 +3576,7 @@
           <a:p>
             <a:fld id="{38EEC551-8CDA-4EB6-89BB-2A86C9F091C8}" type="datetime8">
               <a:rPr lang="en-US" smtClean="0"/>
-              <a:t>10/19/2024 12:36 AM</a:t>
+              <a:t>10/19/2024 9:06 AM</a:t>
             </a:fld>
             <a:endParaRPr lang="en-US" dirty="0"/>
           </a:p>
@@ -3761,7 +3761,7 @@
           <a:p>
             <a:fld id="{38EEC551-8CDA-4EB6-89BB-2A86C9F091C8}" type="datetime8">
               <a:rPr lang="en-US" smtClean="0"/>
-              <a:t>10/19/2024 12:36 AM</a:t>
+              <a:t>10/19/2024 9:06 AM</a:t>
             </a:fld>
             <a:endParaRPr lang="en-US" dirty="0"/>
           </a:p>
@@ -3946,7 +3946,7 @@
           <a:p>
             <a:fld id="{38EEC551-8CDA-4EB6-89BB-2A86C9F091C8}" type="datetime8">
               <a:rPr lang="en-US" smtClean="0"/>
-              <a:t>10/19/2024 12:36 AM</a:t>
+              <a:t>10/19/2024 9:06 AM</a:t>
             </a:fld>
             <a:endParaRPr lang="en-US" dirty="0"/>
           </a:p>
@@ -4131,7 +4131,7 @@
           <a:p>
             <a:fld id="{38EEC551-8CDA-4EB6-89BB-2A86C9F091C8}" type="datetime8">
               <a:rPr lang="en-US" smtClean="0"/>
-              <a:t>10/19/2024 12:36 AM</a:t>
+              <a:t>10/19/2024 9:06 AM</a:t>
             </a:fld>
             <a:endParaRPr lang="en-US" dirty="0"/>
           </a:p>
@@ -28065,14 +28065,22 @@
           <a:p>
             <a:r>
               <a:rPr lang="en-US" sz="2400" dirty="0"/>
-              <a:t>linkedin.com/in/waltercoan/</a:t>
+              <a:t>linkedin.com/in/</a:t>
+            </a:r>
+            <a:r>
+              <a:rPr lang="en-US" sz="2400" dirty="0" err="1"/>
+              <a:t>miltoncamara</a:t>
             </a:r>
             <a:br>
               <a:rPr lang="en-US" sz="2400" dirty="0"/>
             </a:br>
             <a:r>
               <a:rPr lang="en-US" sz="2400" dirty="0"/>
-              <a:t>waltercoan.com.br</a:t>
+              <a:t>youtube.com/</a:t>
+            </a:r>
+            <a:r>
+              <a:rPr lang="en-US" sz="2400" dirty="0" err="1"/>
+              <a:t>azurenapratica</a:t>
             </a:r>
             <a:br>
               <a:rPr lang="en-US" sz="2400" dirty="0"/>
@@ -33908,85 +33916,6 @@
 </file>
 
 <file path=customXml/item1.xml><?xml version="1.0" encoding="utf-8"?>
-<p:properties xmlns:p="http://schemas.microsoft.com/office/2006/metadata/properties" xmlns:xsi="http://www.w3.org/2001/XMLSchema-instance" xmlns:pc="http://schemas.microsoft.com/office/infopath/2007/PartnerControls">
-  <documentManagement>
-    <LikesCount xmlns="http://schemas.microsoft.com/sharepoint/v3" xsi:nil="true"/>
-    <d12e2661e9634d9aa98bbb375f31aced xmlns="01c77077-aee4-4b5f-bd4e-9cd40a6fff29">
-      <Terms xmlns="http://schemas.microsoft.com/office/infopath/2007/PartnerControls">
-        <TermInfo xmlns="http://schemas.microsoft.com/office/infopath/2007/PartnerControls">
-          <TermName xmlns="http://schemas.microsoft.com/office/infopath/2007/PartnerControls">Georgia World Congress Center</TermName>
-          <TermId xmlns="http://schemas.microsoft.com/office/infopath/2007/PartnerControls">ea0ece34-59a6-4d43-8d9e-d0f9e2a2f1ce</TermId>
-        </TermInfo>
-      </Terms>
-    </d12e2661e9634d9aa98bbb375f31aced>
-    <Event_x0020_Start_x0020_Date xmlns="01c77077-aee4-4b5f-bd4e-9cd40a6fff29">2016-09-25T07:00:00+00:00</Event_x0020_Start_x0020_Date>
-    <Target_x0020_Audiences xmlns="8ff673fc-3231-4e3a-893b-6d7f7cd32766" xsi:nil="true"/>
-    <iaa5f83406f94009a0f6a3e890699ff7 xmlns="01c77077-aee4-4b5f-bd4e-9cd40a6fff29">
-      <Terms xmlns="http://schemas.microsoft.com/office/infopath/2007/PartnerControls">
-        <TermInfo xmlns="http://schemas.microsoft.com/office/infopath/2007/PartnerControls">
-          <TermName xmlns="http://schemas.microsoft.com/office/infopath/2007/PartnerControls">Atlanta</TermName>
-          <TermId xmlns="http://schemas.microsoft.com/office/infopath/2007/PartnerControls">01fb9831-5840-48a0-a576-3e48f42baa53</TermId>
-        </TermInfo>
-      </Terms>
-    </iaa5f83406f94009a0f6a3e890699ff7>
-    <External_x0020_Speaker xmlns="01c77077-aee4-4b5f-bd4e-9cd40a6fff29">Michael Kelley</External_x0020_Speaker>
-    <m6878b9dd7994da4ba144f95347d99c6 xmlns="01c77077-aee4-4b5f-bd4e-9cd40a6fff29">
-      <Terms xmlns="http://schemas.microsoft.com/office/infopath/2007/PartnerControls"/>
-    </m6878b9dd7994da4ba144f95347d99c6>
-    <Presentation_x0020_Date xmlns="01c77077-aee4-4b5f-bd4e-9cd40a6fff29">2016-09-28T04:00:00+00:00</Presentation_x0020_Date>
-    <fc15c16204564de583b4c942b10d19ec xmlns="01c77077-aee4-4b5f-bd4e-9cd40a6fff29">
-      <Terms xmlns="http://schemas.microsoft.com/office/infopath/2007/PartnerControls"/>
-    </fc15c16204564de583b4c942b10d19ec>
-    <mb2e01f7e2d8413988e28e59aa226eec xmlns="01c77077-aee4-4b5f-bd4e-9cd40a6fff29">
-      <Terms xmlns="http://schemas.microsoft.com/office/infopath/2007/PartnerControls">
-        <TermInfo xmlns="http://schemas.microsoft.com/office/infopath/2007/PartnerControls">
-          <TermName xmlns="http://schemas.microsoft.com/office/infopath/2007/PartnerControls">Microsoft Ignite</TermName>
-          <TermId xmlns="http://schemas.microsoft.com/office/infopath/2007/PartnerControls">9323c522-fe4b-4922-816b-10a1920d7afb</TermId>
-        </TermInfo>
-      </Terms>
-    </mb2e01f7e2d8413988e28e59aa226eec>
-    <MS_x0020_Content_x0020_Owner xmlns="01c77077-aee4-4b5f-bd4e-9cd40a6fff29">
-      <UserInfo>
-        <DisplayName/>
-        <AccountId xsi:nil="true"/>
-        <AccountType/>
-      </UserInfo>
-    </MS_x0020_Content_x0020_Owner>
-    <Session_x0020_Code xmlns="01c77077-aee4-4b5f-bd4e-9cd40a6fff29">BRK2158</Session_x0020_Code>
-    <Event_x0020_End_x0020_Date xmlns="01c77077-aee4-4b5f-bd4e-9cd40a6fff29">2016-09-30T07:00:00+00:00</Event_x0020_End_x0020_Date>
-    <o1010385baed4da9b5076a6aa651d1e5 xmlns="01c77077-aee4-4b5f-bd4e-9cd40a6fff29">
-      <Terms xmlns="http://schemas.microsoft.com/office/infopath/2007/PartnerControls"/>
-    </o1010385baed4da9b5076a6aa651d1e5>
-    <kc6d1bd9a46e4e5fbbbf99ca3de7a092 xmlns="01c77077-aee4-4b5f-bd4e-9cd40a6fff29">
-      <Terms xmlns="http://schemas.microsoft.com/office/infopath/2007/PartnerControls"/>
-    </kc6d1bd9a46e4e5fbbbf99ca3de7a092>
-    <MS_x0020_Speaker xmlns="01c77077-aee4-4b5f-bd4e-9cd40a6fff29">
-      <UserInfo>
-        <DisplayName/>
-        <AccountId xsi:nil="true"/>
-        <AccountType/>
-      </UserInfo>
-    </MS_x0020_Speaker>
-    <TaxKeywordTaxHTField xmlns="230e9df3-be65-4c73-a93b-d1236ebd677e">
-      <Terms xmlns="http://schemas.microsoft.com/office/infopath/2007/PartnerControls">
-        <TermInfo xmlns="http://schemas.microsoft.com/office/infopath/2007/PartnerControls">
-          <TermName xmlns="http://schemas.microsoft.com/office/infopath/2007/PartnerControls">Microsoft Ignite 2016</TermName>
-          <TermId xmlns="http://schemas.microsoft.com/office/infopath/2007/PartnerControls">e2f6a88c-86f9-4b25-a2af-b5c3afa8c82a</TermId>
-        </TermInfo>
-      </Terms>
-    </TaxKeywordTaxHTField>
-    <TaxCatchAll xmlns="230e9df3-be65-4c73-a93b-d1236ebd677e">
-      <Value>174</Value>
-      <Value>177</Value>
-      <Value>176</Value>
-      <Value>175</Value>
-    </TaxCatchAll>
-    <NumberofDownloads xmlns="230e9df3-be65-4c73-a93b-d1236ebd677e" xsi:nil="true"/>
-  </documentManagement>
-</p:properties>
-</file>
-
-<file path=customXml/item2.xml><?xml version="1.0" encoding="utf-8"?>
 <ct:contentTypeSchema xmlns:ct="http://schemas.microsoft.com/office/2006/metadata/contentType" xmlns:ma="http://schemas.microsoft.com/office/2006/metadata/properties/metaAttributes" ct:_="" ma:_="" ma:contentTypeName="PresentationsDoc" ma:contentTypeID="0x01010031DCF4CA090F824DB1E4CCBB6B9D64EA00101E8AAD132F8F4D96340D6376C8BB3E" ma:contentTypeVersion="22" ma:contentTypeDescription="" ma:contentTypeScope="" ma:versionID="8add498658ef06bbcf3bc1f2c97d938c">
   <xsd:schema xmlns:xsd="http://www.w3.org/2001/XMLSchema" xmlns:xs="http://www.w3.org/2001/XMLSchema" xmlns:p="http://schemas.microsoft.com/office/2006/metadata/properties" xmlns:ns1="http://schemas.microsoft.com/sharepoint/v3" xmlns:ns2="01c77077-aee4-4b5f-bd4e-9cd40a6fff29" xmlns:ns3="230e9df3-be65-4c73-a93b-d1236ebd677e" xmlns:ns5="8ff673fc-3231-4e3a-893b-6d7f7cd32766" targetNamespace="http://schemas.microsoft.com/office/2006/metadata/properties" ma:root="true" ma:fieldsID="a14070d067e341e7ddc7e27ecc4a2d88" ns1:_="" ns2:_="" ns3:_="" ns5:_="">
     <xsd:import namespace="http://schemas.microsoft.com/sharepoint/v3"/>
@@ -34343,6 +34272,85 @@
 </ct:contentTypeSchema>
 </file>
 
+<file path=customXml/item2.xml><?xml version="1.0" encoding="utf-8"?>
+<p:properties xmlns:p="http://schemas.microsoft.com/office/2006/metadata/properties" xmlns:xsi="http://www.w3.org/2001/XMLSchema-instance" xmlns:pc="http://schemas.microsoft.com/office/infopath/2007/PartnerControls">
+  <documentManagement>
+    <LikesCount xmlns="http://schemas.microsoft.com/sharepoint/v3" xsi:nil="true"/>
+    <d12e2661e9634d9aa98bbb375f31aced xmlns="01c77077-aee4-4b5f-bd4e-9cd40a6fff29">
+      <Terms xmlns="http://schemas.microsoft.com/office/infopath/2007/PartnerControls">
+        <TermInfo xmlns="http://schemas.microsoft.com/office/infopath/2007/PartnerControls">
+          <TermName xmlns="http://schemas.microsoft.com/office/infopath/2007/PartnerControls">Georgia World Congress Center</TermName>
+          <TermId xmlns="http://schemas.microsoft.com/office/infopath/2007/PartnerControls">ea0ece34-59a6-4d43-8d9e-d0f9e2a2f1ce</TermId>
+        </TermInfo>
+      </Terms>
+    </d12e2661e9634d9aa98bbb375f31aced>
+    <Event_x0020_Start_x0020_Date xmlns="01c77077-aee4-4b5f-bd4e-9cd40a6fff29">2016-09-25T07:00:00+00:00</Event_x0020_Start_x0020_Date>
+    <Target_x0020_Audiences xmlns="8ff673fc-3231-4e3a-893b-6d7f7cd32766" xsi:nil="true"/>
+    <iaa5f83406f94009a0f6a3e890699ff7 xmlns="01c77077-aee4-4b5f-bd4e-9cd40a6fff29">
+      <Terms xmlns="http://schemas.microsoft.com/office/infopath/2007/PartnerControls">
+        <TermInfo xmlns="http://schemas.microsoft.com/office/infopath/2007/PartnerControls">
+          <TermName xmlns="http://schemas.microsoft.com/office/infopath/2007/PartnerControls">Atlanta</TermName>
+          <TermId xmlns="http://schemas.microsoft.com/office/infopath/2007/PartnerControls">01fb9831-5840-48a0-a576-3e48f42baa53</TermId>
+        </TermInfo>
+      </Terms>
+    </iaa5f83406f94009a0f6a3e890699ff7>
+    <External_x0020_Speaker xmlns="01c77077-aee4-4b5f-bd4e-9cd40a6fff29">Michael Kelley</External_x0020_Speaker>
+    <m6878b9dd7994da4ba144f95347d99c6 xmlns="01c77077-aee4-4b5f-bd4e-9cd40a6fff29">
+      <Terms xmlns="http://schemas.microsoft.com/office/infopath/2007/PartnerControls"/>
+    </m6878b9dd7994da4ba144f95347d99c6>
+    <Presentation_x0020_Date xmlns="01c77077-aee4-4b5f-bd4e-9cd40a6fff29">2016-09-28T04:00:00+00:00</Presentation_x0020_Date>
+    <fc15c16204564de583b4c942b10d19ec xmlns="01c77077-aee4-4b5f-bd4e-9cd40a6fff29">
+      <Terms xmlns="http://schemas.microsoft.com/office/infopath/2007/PartnerControls"/>
+    </fc15c16204564de583b4c942b10d19ec>
+    <mb2e01f7e2d8413988e28e59aa226eec xmlns="01c77077-aee4-4b5f-bd4e-9cd40a6fff29">
+      <Terms xmlns="http://schemas.microsoft.com/office/infopath/2007/PartnerControls">
+        <TermInfo xmlns="http://schemas.microsoft.com/office/infopath/2007/PartnerControls">
+          <TermName xmlns="http://schemas.microsoft.com/office/infopath/2007/PartnerControls">Microsoft Ignite</TermName>
+          <TermId xmlns="http://schemas.microsoft.com/office/infopath/2007/PartnerControls">9323c522-fe4b-4922-816b-10a1920d7afb</TermId>
+        </TermInfo>
+      </Terms>
+    </mb2e01f7e2d8413988e28e59aa226eec>
+    <MS_x0020_Content_x0020_Owner xmlns="01c77077-aee4-4b5f-bd4e-9cd40a6fff29">
+      <UserInfo>
+        <DisplayName/>
+        <AccountId xsi:nil="true"/>
+        <AccountType/>
+      </UserInfo>
+    </MS_x0020_Content_x0020_Owner>
+    <Session_x0020_Code xmlns="01c77077-aee4-4b5f-bd4e-9cd40a6fff29">BRK2158</Session_x0020_Code>
+    <Event_x0020_End_x0020_Date xmlns="01c77077-aee4-4b5f-bd4e-9cd40a6fff29">2016-09-30T07:00:00+00:00</Event_x0020_End_x0020_Date>
+    <o1010385baed4da9b5076a6aa651d1e5 xmlns="01c77077-aee4-4b5f-bd4e-9cd40a6fff29">
+      <Terms xmlns="http://schemas.microsoft.com/office/infopath/2007/PartnerControls"/>
+    </o1010385baed4da9b5076a6aa651d1e5>
+    <kc6d1bd9a46e4e5fbbbf99ca3de7a092 xmlns="01c77077-aee4-4b5f-bd4e-9cd40a6fff29">
+      <Terms xmlns="http://schemas.microsoft.com/office/infopath/2007/PartnerControls"/>
+    </kc6d1bd9a46e4e5fbbbf99ca3de7a092>
+    <MS_x0020_Speaker xmlns="01c77077-aee4-4b5f-bd4e-9cd40a6fff29">
+      <UserInfo>
+        <DisplayName/>
+        <AccountId xsi:nil="true"/>
+        <AccountType/>
+      </UserInfo>
+    </MS_x0020_Speaker>
+    <TaxKeywordTaxHTField xmlns="230e9df3-be65-4c73-a93b-d1236ebd677e">
+      <Terms xmlns="http://schemas.microsoft.com/office/infopath/2007/PartnerControls">
+        <TermInfo xmlns="http://schemas.microsoft.com/office/infopath/2007/PartnerControls">
+          <TermName xmlns="http://schemas.microsoft.com/office/infopath/2007/PartnerControls">Microsoft Ignite 2016</TermName>
+          <TermId xmlns="http://schemas.microsoft.com/office/infopath/2007/PartnerControls">e2f6a88c-86f9-4b25-a2af-b5c3afa8c82a</TermId>
+        </TermInfo>
+      </Terms>
+    </TaxKeywordTaxHTField>
+    <TaxCatchAll xmlns="230e9df3-be65-4c73-a93b-d1236ebd677e">
+      <Value>174</Value>
+      <Value>177</Value>
+      <Value>176</Value>
+      <Value>175</Value>
+    </TaxCatchAll>
+    <NumberofDownloads xmlns="230e9df3-be65-4c73-a93b-d1236ebd677e" xsi:nil="true"/>
+  </documentManagement>
+</p:properties>
+</file>
+
 <file path=customXml/item3.xml><?xml version="1.0" encoding="utf-8"?>
 <?mso-contentType ?>
 <FormTemplates xmlns="http://schemas.microsoft.com/sharepoint/v3/contenttype/forms">
@@ -34353,25 +34361,6 @@
 </file>
 
 <file path=customXml/itemProps1.xml><?xml version="1.0" encoding="utf-8"?>
-<ds:datastoreItem xmlns:ds="http://schemas.openxmlformats.org/officeDocument/2006/customXml" ds:itemID="{F990F116-B58F-4255-B05B-DA3808E0E5C6}">
-  <ds:schemaRefs>
-    <ds:schemaRef ds:uri="http://purl.org/dc/elements/1.1/"/>
-    <ds:schemaRef ds:uri="http://purl.org/dc/dcmitype/"/>
-    <ds:schemaRef ds:uri="230e9df3-be65-4c73-a93b-d1236ebd677e"/>
-    <ds:schemaRef ds:uri="http://schemas.microsoft.com/office/infopath/2007/PartnerControls"/>
-    <ds:schemaRef ds:uri="http://schemas.microsoft.com/office/2006/metadata/properties"/>
-    <ds:schemaRef ds:uri="01c77077-aee4-4b5f-bd4e-9cd40a6fff29"/>
-    <ds:schemaRef ds:uri="http://schemas.microsoft.com/sharepoint/v3"/>
-    <ds:schemaRef ds:uri="8ff673fc-3231-4e3a-893b-6d7f7cd32766"/>
-    <ds:schemaRef ds:uri="http://schemas.microsoft.com/office/2006/documentManagement/types"/>
-    <ds:schemaRef ds:uri="http://purl.org/dc/terms/"/>
-    <ds:schemaRef ds:uri="http://schemas.openxmlformats.org/package/2006/metadata/core-properties"/>
-    <ds:schemaRef ds:uri="http://www.w3.org/XML/1998/namespace"/>
-  </ds:schemaRefs>
-</ds:datastoreItem>
-</file>
-
-<file path=customXml/itemProps2.xml><?xml version="1.0" encoding="utf-8"?>
 <ds:datastoreItem xmlns:ds="http://schemas.openxmlformats.org/officeDocument/2006/customXml" ds:itemID="{6D8F288A-5131-4E80-AB86-F10FC037383B}">
   <ds:schemaRefs>
     <ds:schemaRef ds:uri="http://schemas.microsoft.com/office/2006/metadata/contentType"/>
@@ -34392,6 +34381,25 @@
 </ds:datastoreItem>
 </file>
 
+<file path=customXml/itemProps2.xml><?xml version="1.0" encoding="utf-8"?>
+<ds:datastoreItem xmlns:ds="http://schemas.openxmlformats.org/officeDocument/2006/customXml" ds:itemID="{F990F116-B58F-4255-B05B-DA3808E0E5C6}">
+  <ds:schemaRefs>
+    <ds:schemaRef ds:uri="http://purl.org/dc/elements/1.1/"/>
+    <ds:schemaRef ds:uri="http://purl.org/dc/dcmitype/"/>
+    <ds:schemaRef ds:uri="230e9df3-be65-4c73-a93b-d1236ebd677e"/>
+    <ds:schemaRef ds:uri="http://schemas.microsoft.com/office/infopath/2007/PartnerControls"/>
+    <ds:schemaRef ds:uri="http://schemas.microsoft.com/office/2006/metadata/properties"/>
+    <ds:schemaRef ds:uri="01c77077-aee4-4b5f-bd4e-9cd40a6fff29"/>
+    <ds:schemaRef ds:uri="http://schemas.microsoft.com/sharepoint/v3"/>
+    <ds:schemaRef ds:uri="8ff673fc-3231-4e3a-893b-6d7f7cd32766"/>
+    <ds:schemaRef ds:uri="http://schemas.microsoft.com/office/2006/documentManagement/types"/>
+    <ds:schemaRef ds:uri="http://purl.org/dc/terms/"/>
+    <ds:schemaRef ds:uri="http://schemas.openxmlformats.org/package/2006/metadata/core-properties"/>
+    <ds:schemaRef ds:uri="http://www.w3.org/XML/1998/namespace"/>
+  </ds:schemaRefs>
+</ds:datastoreItem>
+</file>
+
 <file path=customXml/itemProps3.xml><?xml version="1.0" encoding="utf-8"?>
 <ds:datastoreItem xmlns:ds="http://schemas.openxmlformats.org/officeDocument/2006/customXml" ds:itemID="{758FDAC0-319D-4A54-8D8E-1D42CB1F8004}">
   <ds:schemaRefs>
